--- a/docs/tussenpresentatie/tussenpresentatie.pptx
+++ b/docs/tussenpresentatie/tussenpresentatie.pptx
@@ -845,6 +845,516 @@
     </a:lvl9pPr>
   </p:notesStyle>
 </p:notesMaster>
+</file>
+
+<file path=ppt/notesSlides/notesSlide1.xml><?xml version="1.0" encoding="utf-8"?>
+<p:notes xmlns:a="http://schemas.openxmlformats.org/drawingml/2006/main" xmlns:r="http://schemas.openxmlformats.org/officeDocument/2006/relationships" xmlns:p="http://schemas.openxmlformats.org/presentationml/2006/main">
+  <p:cSld>
+    <p:spTree>
+      <p:nvGrpSpPr>
+        <p:cNvPr id="1" name=""/>
+        <p:cNvGrpSpPr/>
+        <p:nvPr/>
+      </p:nvGrpSpPr>
+      <p:grpSpPr>
+        <a:xfrm>
+          <a:off x="0" y="0"/>
+          <a:ext cx="0" cy="0"/>
+          <a:chOff x="0" y="0"/>
+          <a:chExt cx="0" cy="0"/>
+        </a:xfrm>
+      </p:grpSpPr>
+      <p:sp>
+        <p:nvSpPr>
+          <p:cNvPr id="2" name="Tijdelijke aanduiding voor dia-afbeelding 1"/>
+          <p:cNvSpPr>
+            <a:spLocks noGrp="1" noRot="1" noChangeAspect="1"/>
+          </p:cNvSpPr>
+          <p:nvPr>
+            <p:ph type="sldImg"/>
+          </p:nvPr>
+        </p:nvSpPr>
+        <p:spPr/>
+      </p:sp>
+      <p:sp>
+        <p:nvSpPr>
+          <p:cNvPr id="3" name="Tijdelijke aanduiding voor notities 2"/>
+          <p:cNvSpPr>
+            <a:spLocks noGrp="1"/>
+          </p:cNvSpPr>
+          <p:nvPr>
+            <p:ph type="body" idx="1"/>
+          </p:nvPr>
+        </p:nvSpPr>
+        <p:spPr/>
+        <p:txBody>
+          <a:bodyPr/>
+          <a:lstStyle/>
+          <a:p>
+            <a:endParaRPr lang="nl-NL"/>
+          </a:p>
+        </p:txBody>
+      </p:sp>
+      <p:sp>
+        <p:nvSpPr>
+          <p:cNvPr id="4" name="Tijdelijke aanduiding voor dianummer 3"/>
+          <p:cNvSpPr>
+            <a:spLocks noGrp="1"/>
+          </p:cNvSpPr>
+          <p:nvPr>
+            <p:ph type="sldNum" sz="quarter" idx="10"/>
+          </p:nvPr>
+        </p:nvSpPr>
+        <p:spPr/>
+        <p:txBody>
+          <a:bodyPr/>
+          <a:lstStyle/>
+          <a:p>
+            <a:fld id="{BCFF86D8-912B-44CC-9616-552AE1A16EB1}" type="slidenum">
+              <a:rPr lang="en-US" smtClean="0"/>
+              <a:pPr/>
+              <a:t>1</a:t>
+            </a:fld>
+            <a:endParaRPr lang="en-US"/>
+          </a:p>
+        </p:txBody>
+      </p:sp>
+    </p:spTree>
+    <p:extLst>
+      <p:ext uri="{BB962C8B-B14F-4D97-AF65-F5344CB8AC3E}">
+        <p14:creationId xmlns:p14="http://schemas.microsoft.com/office/powerpoint/2010/main" val="2724101413"/>
+      </p:ext>
+    </p:extLst>
+  </p:cSld>
+  <p:clrMapOvr>
+    <a:masterClrMapping/>
+  </p:clrMapOvr>
+</p:notes>
+</file>
+
+<file path=ppt/notesSlides/notesSlide2.xml><?xml version="1.0" encoding="utf-8"?>
+<p:notes xmlns:a="http://schemas.openxmlformats.org/drawingml/2006/main" xmlns:r="http://schemas.openxmlformats.org/officeDocument/2006/relationships" xmlns:p="http://schemas.openxmlformats.org/presentationml/2006/main">
+  <p:cSld>
+    <p:spTree>
+      <p:nvGrpSpPr>
+        <p:cNvPr id="1" name=""/>
+        <p:cNvGrpSpPr/>
+        <p:nvPr/>
+      </p:nvGrpSpPr>
+      <p:grpSpPr>
+        <a:xfrm>
+          <a:off x="0" y="0"/>
+          <a:ext cx="0" cy="0"/>
+          <a:chOff x="0" y="0"/>
+          <a:chExt cx="0" cy="0"/>
+        </a:xfrm>
+      </p:grpSpPr>
+      <p:sp>
+        <p:nvSpPr>
+          <p:cNvPr id="2" name="Tijdelijke aanduiding voor dia-afbeelding 1"/>
+          <p:cNvSpPr>
+            <a:spLocks noGrp="1" noRot="1" noChangeAspect="1"/>
+          </p:cNvSpPr>
+          <p:nvPr>
+            <p:ph type="sldImg"/>
+          </p:nvPr>
+        </p:nvSpPr>
+        <p:spPr/>
+      </p:sp>
+      <p:sp>
+        <p:nvSpPr>
+          <p:cNvPr id="3" name="Tijdelijke aanduiding voor notities 2"/>
+          <p:cNvSpPr>
+            <a:spLocks noGrp="1"/>
+          </p:cNvSpPr>
+          <p:nvPr>
+            <p:ph type="body" idx="1"/>
+          </p:nvPr>
+        </p:nvSpPr>
+        <p:spPr/>
+        <p:txBody>
+          <a:bodyPr/>
+          <a:lstStyle/>
+          <a:p>
+            <a:endParaRPr lang="nl-NL"/>
+          </a:p>
+        </p:txBody>
+      </p:sp>
+      <p:sp>
+        <p:nvSpPr>
+          <p:cNvPr id="4" name="Tijdelijke aanduiding voor dianummer 3"/>
+          <p:cNvSpPr>
+            <a:spLocks noGrp="1"/>
+          </p:cNvSpPr>
+          <p:nvPr>
+            <p:ph type="sldNum" sz="quarter" idx="10"/>
+          </p:nvPr>
+        </p:nvSpPr>
+        <p:spPr/>
+        <p:txBody>
+          <a:bodyPr/>
+          <a:lstStyle/>
+          <a:p>
+            <a:fld id="{BCFF86D8-912B-44CC-9616-552AE1A16EB1}" type="slidenum">
+              <a:rPr lang="en-US" smtClean="0"/>
+              <a:pPr/>
+              <a:t>2</a:t>
+            </a:fld>
+            <a:endParaRPr lang="en-US"/>
+          </a:p>
+        </p:txBody>
+      </p:sp>
+    </p:spTree>
+    <p:extLst>
+      <p:ext uri="{BB962C8B-B14F-4D97-AF65-F5344CB8AC3E}">
+        <p14:creationId xmlns:p14="http://schemas.microsoft.com/office/powerpoint/2010/main" val="3319513224"/>
+      </p:ext>
+    </p:extLst>
+  </p:cSld>
+  <p:clrMapOvr>
+    <a:masterClrMapping/>
+  </p:clrMapOvr>
+</p:notes>
+</file>
+
+<file path=ppt/notesSlides/notesSlide3.xml><?xml version="1.0" encoding="utf-8"?>
+<p:notes xmlns:a="http://schemas.openxmlformats.org/drawingml/2006/main" xmlns:r="http://schemas.openxmlformats.org/officeDocument/2006/relationships" xmlns:p="http://schemas.openxmlformats.org/presentationml/2006/main">
+  <p:cSld>
+    <p:spTree>
+      <p:nvGrpSpPr>
+        <p:cNvPr id="1" name=""/>
+        <p:cNvGrpSpPr/>
+        <p:nvPr/>
+      </p:nvGrpSpPr>
+      <p:grpSpPr>
+        <a:xfrm>
+          <a:off x="0" y="0"/>
+          <a:ext cx="0" cy="0"/>
+          <a:chOff x="0" y="0"/>
+          <a:chExt cx="0" cy="0"/>
+        </a:xfrm>
+      </p:grpSpPr>
+      <p:sp>
+        <p:nvSpPr>
+          <p:cNvPr id="2" name="Tijdelijke aanduiding voor dia-afbeelding 1"/>
+          <p:cNvSpPr>
+            <a:spLocks noGrp="1" noRot="1" noChangeAspect="1"/>
+          </p:cNvSpPr>
+          <p:nvPr>
+            <p:ph type="sldImg"/>
+          </p:nvPr>
+        </p:nvSpPr>
+        <p:spPr/>
+      </p:sp>
+      <p:sp>
+        <p:nvSpPr>
+          <p:cNvPr id="3" name="Tijdelijke aanduiding voor notities 2"/>
+          <p:cNvSpPr>
+            <a:spLocks noGrp="1"/>
+          </p:cNvSpPr>
+          <p:nvPr>
+            <p:ph type="body" idx="1"/>
+          </p:nvPr>
+        </p:nvSpPr>
+        <p:spPr/>
+        <p:txBody>
+          <a:bodyPr/>
+          <a:lstStyle/>
+          <a:p>
+            <a:endParaRPr lang="nl-NL"/>
+          </a:p>
+        </p:txBody>
+      </p:sp>
+      <p:sp>
+        <p:nvSpPr>
+          <p:cNvPr id="4" name="Tijdelijke aanduiding voor dianummer 3"/>
+          <p:cNvSpPr>
+            <a:spLocks noGrp="1"/>
+          </p:cNvSpPr>
+          <p:nvPr>
+            <p:ph type="sldNum" sz="quarter" idx="10"/>
+          </p:nvPr>
+        </p:nvSpPr>
+        <p:spPr/>
+        <p:txBody>
+          <a:bodyPr/>
+          <a:lstStyle/>
+          <a:p>
+            <a:fld id="{BCFF86D8-912B-44CC-9616-552AE1A16EB1}" type="slidenum">
+              <a:rPr lang="en-US" smtClean="0"/>
+              <a:pPr/>
+              <a:t>3</a:t>
+            </a:fld>
+            <a:endParaRPr lang="en-US"/>
+          </a:p>
+        </p:txBody>
+      </p:sp>
+    </p:spTree>
+    <p:extLst>
+      <p:ext uri="{BB962C8B-B14F-4D97-AF65-F5344CB8AC3E}">
+        <p14:creationId xmlns:p14="http://schemas.microsoft.com/office/powerpoint/2010/main" val="866262758"/>
+      </p:ext>
+    </p:extLst>
+  </p:cSld>
+  <p:clrMapOvr>
+    <a:masterClrMapping/>
+  </p:clrMapOvr>
+</p:notes>
+</file>
+
+<file path=ppt/notesSlides/notesSlide4.xml><?xml version="1.0" encoding="utf-8"?>
+<p:notes xmlns:a="http://schemas.openxmlformats.org/drawingml/2006/main" xmlns:r="http://schemas.openxmlformats.org/officeDocument/2006/relationships" xmlns:p="http://schemas.openxmlformats.org/presentationml/2006/main">
+  <p:cSld>
+    <p:spTree>
+      <p:nvGrpSpPr>
+        <p:cNvPr id="1" name=""/>
+        <p:cNvGrpSpPr/>
+        <p:nvPr/>
+      </p:nvGrpSpPr>
+      <p:grpSpPr>
+        <a:xfrm>
+          <a:off x="0" y="0"/>
+          <a:ext cx="0" cy="0"/>
+          <a:chOff x="0" y="0"/>
+          <a:chExt cx="0" cy="0"/>
+        </a:xfrm>
+      </p:grpSpPr>
+      <p:sp>
+        <p:nvSpPr>
+          <p:cNvPr id="2" name="Tijdelijke aanduiding voor dia-afbeelding 1"/>
+          <p:cNvSpPr>
+            <a:spLocks noGrp="1" noRot="1" noChangeAspect="1"/>
+          </p:cNvSpPr>
+          <p:nvPr>
+            <p:ph type="sldImg"/>
+          </p:nvPr>
+        </p:nvSpPr>
+        <p:spPr/>
+      </p:sp>
+      <p:sp>
+        <p:nvSpPr>
+          <p:cNvPr id="3" name="Tijdelijke aanduiding voor notities 2"/>
+          <p:cNvSpPr>
+            <a:spLocks noGrp="1"/>
+          </p:cNvSpPr>
+          <p:nvPr>
+            <p:ph type="body" idx="1"/>
+          </p:nvPr>
+        </p:nvSpPr>
+        <p:spPr/>
+        <p:txBody>
+          <a:bodyPr/>
+          <a:lstStyle/>
+          <a:p>
+            <a:endParaRPr lang="nl-NL"/>
+          </a:p>
+        </p:txBody>
+      </p:sp>
+      <p:sp>
+        <p:nvSpPr>
+          <p:cNvPr id="4" name="Tijdelijke aanduiding voor dianummer 3"/>
+          <p:cNvSpPr>
+            <a:spLocks noGrp="1"/>
+          </p:cNvSpPr>
+          <p:nvPr>
+            <p:ph type="sldNum" sz="quarter" idx="10"/>
+          </p:nvPr>
+        </p:nvSpPr>
+        <p:spPr/>
+        <p:txBody>
+          <a:bodyPr/>
+          <a:lstStyle/>
+          <a:p>
+            <a:fld id="{BCFF86D8-912B-44CC-9616-552AE1A16EB1}" type="slidenum">
+              <a:rPr lang="en-US" smtClean="0"/>
+              <a:pPr/>
+              <a:t>4</a:t>
+            </a:fld>
+            <a:endParaRPr lang="en-US"/>
+          </a:p>
+        </p:txBody>
+      </p:sp>
+    </p:spTree>
+    <p:extLst>
+      <p:ext uri="{BB962C8B-B14F-4D97-AF65-F5344CB8AC3E}">
+        <p14:creationId xmlns:p14="http://schemas.microsoft.com/office/powerpoint/2010/main" val="2779860126"/>
+      </p:ext>
+    </p:extLst>
+  </p:cSld>
+  <p:clrMapOvr>
+    <a:masterClrMapping/>
+  </p:clrMapOvr>
+</p:notes>
+</file>
+
+<file path=ppt/notesSlides/notesSlide5.xml><?xml version="1.0" encoding="utf-8"?>
+<p:notes xmlns:a="http://schemas.openxmlformats.org/drawingml/2006/main" xmlns:r="http://schemas.openxmlformats.org/officeDocument/2006/relationships" xmlns:p="http://schemas.openxmlformats.org/presentationml/2006/main">
+  <p:cSld>
+    <p:spTree>
+      <p:nvGrpSpPr>
+        <p:cNvPr id="1" name=""/>
+        <p:cNvGrpSpPr/>
+        <p:nvPr/>
+      </p:nvGrpSpPr>
+      <p:grpSpPr>
+        <a:xfrm>
+          <a:off x="0" y="0"/>
+          <a:ext cx="0" cy="0"/>
+          <a:chOff x="0" y="0"/>
+          <a:chExt cx="0" cy="0"/>
+        </a:xfrm>
+      </p:grpSpPr>
+      <p:sp>
+        <p:nvSpPr>
+          <p:cNvPr id="2" name="Tijdelijke aanduiding voor dia-afbeelding 1"/>
+          <p:cNvSpPr>
+            <a:spLocks noGrp="1" noRot="1" noChangeAspect="1"/>
+          </p:cNvSpPr>
+          <p:nvPr>
+            <p:ph type="sldImg"/>
+          </p:nvPr>
+        </p:nvSpPr>
+        <p:spPr/>
+      </p:sp>
+      <p:sp>
+        <p:nvSpPr>
+          <p:cNvPr id="3" name="Tijdelijke aanduiding voor notities 2"/>
+          <p:cNvSpPr>
+            <a:spLocks noGrp="1"/>
+          </p:cNvSpPr>
+          <p:nvPr>
+            <p:ph type="body" idx="1"/>
+          </p:nvPr>
+        </p:nvSpPr>
+        <p:spPr/>
+        <p:txBody>
+          <a:bodyPr/>
+          <a:lstStyle/>
+          <a:p>
+            <a:endParaRPr lang="nl-NL"/>
+          </a:p>
+        </p:txBody>
+      </p:sp>
+      <p:sp>
+        <p:nvSpPr>
+          <p:cNvPr id="4" name="Tijdelijke aanduiding voor dianummer 3"/>
+          <p:cNvSpPr>
+            <a:spLocks noGrp="1"/>
+          </p:cNvSpPr>
+          <p:nvPr>
+            <p:ph type="sldNum" sz="quarter" idx="10"/>
+          </p:nvPr>
+        </p:nvSpPr>
+        <p:spPr/>
+        <p:txBody>
+          <a:bodyPr/>
+          <a:lstStyle/>
+          <a:p>
+            <a:fld id="{BCFF86D8-912B-44CC-9616-552AE1A16EB1}" type="slidenum">
+              <a:rPr lang="en-US" smtClean="0"/>
+              <a:pPr/>
+              <a:t>5</a:t>
+            </a:fld>
+            <a:endParaRPr lang="en-US"/>
+          </a:p>
+        </p:txBody>
+      </p:sp>
+    </p:spTree>
+    <p:extLst>
+      <p:ext uri="{BB962C8B-B14F-4D97-AF65-F5344CB8AC3E}">
+        <p14:creationId xmlns:p14="http://schemas.microsoft.com/office/powerpoint/2010/main" val="2148378901"/>
+      </p:ext>
+    </p:extLst>
+  </p:cSld>
+  <p:clrMapOvr>
+    <a:masterClrMapping/>
+  </p:clrMapOvr>
+</p:notes>
+</file>
+
+<file path=ppt/notesSlides/notesSlide6.xml><?xml version="1.0" encoding="utf-8"?>
+<p:notes xmlns:a="http://schemas.openxmlformats.org/drawingml/2006/main" xmlns:r="http://schemas.openxmlformats.org/officeDocument/2006/relationships" xmlns:p="http://schemas.openxmlformats.org/presentationml/2006/main">
+  <p:cSld>
+    <p:spTree>
+      <p:nvGrpSpPr>
+        <p:cNvPr id="1" name=""/>
+        <p:cNvGrpSpPr/>
+        <p:nvPr/>
+      </p:nvGrpSpPr>
+      <p:grpSpPr>
+        <a:xfrm>
+          <a:off x="0" y="0"/>
+          <a:ext cx="0" cy="0"/>
+          <a:chOff x="0" y="0"/>
+          <a:chExt cx="0" cy="0"/>
+        </a:xfrm>
+      </p:grpSpPr>
+      <p:sp>
+        <p:nvSpPr>
+          <p:cNvPr id="2" name="Tijdelijke aanduiding voor dia-afbeelding 1"/>
+          <p:cNvSpPr>
+            <a:spLocks noGrp="1" noRot="1" noChangeAspect="1"/>
+          </p:cNvSpPr>
+          <p:nvPr>
+            <p:ph type="sldImg"/>
+          </p:nvPr>
+        </p:nvSpPr>
+        <p:spPr/>
+      </p:sp>
+      <p:sp>
+        <p:nvSpPr>
+          <p:cNvPr id="3" name="Tijdelijke aanduiding voor notities 2"/>
+          <p:cNvSpPr>
+            <a:spLocks noGrp="1"/>
+          </p:cNvSpPr>
+          <p:nvPr>
+            <p:ph type="body" idx="1"/>
+          </p:nvPr>
+        </p:nvSpPr>
+        <p:spPr/>
+        <p:txBody>
+          <a:bodyPr/>
+          <a:lstStyle/>
+          <a:p>
+            <a:endParaRPr lang="nl-NL"/>
+          </a:p>
+        </p:txBody>
+      </p:sp>
+      <p:sp>
+        <p:nvSpPr>
+          <p:cNvPr id="4" name="Tijdelijke aanduiding voor dianummer 3"/>
+          <p:cNvSpPr>
+            <a:spLocks noGrp="1"/>
+          </p:cNvSpPr>
+          <p:nvPr>
+            <p:ph type="sldNum" sz="quarter" idx="10"/>
+          </p:nvPr>
+        </p:nvSpPr>
+        <p:spPr/>
+        <p:txBody>
+          <a:bodyPr/>
+          <a:lstStyle/>
+          <a:p>
+            <a:fld id="{BCFF86D8-912B-44CC-9616-552AE1A16EB1}" type="slidenum">
+              <a:rPr lang="en-US" smtClean="0"/>
+              <a:pPr/>
+              <a:t>6</a:t>
+            </a:fld>
+            <a:endParaRPr lang="en-US"/>
+          </a:p>
+        </p:txBody>
+      </p:sp>
+    </p:spTree>
+    <p:extLst>
+      <p:ext uri="{BB962C8B-B14F-4D97-AF65-F5344CB8AC3E}">
+        <p14:creationId xmlns:p14="http://schemas.microsoft.com/office/powerpoint/2010/main" val="1961453832"/>
+      </p:ext>
+    </p:extLst>
+  </p:cSld>
+  <p:clrMapOvr>
+    <a:masterClrMapping/>
+  </p:clrMapOvr>
+</p:notes>
 </file>
 
 <file path=ppt/slideLayouts/slideLayout1.xml><?xml version="1.0" encoding="utf-8"?>
@@ -4247,11 +4757,7 @@
             </a:r>
             <a:r>
               <a:rPr lang="nl-NL" dirty="0" smtClean="0"/>
-              <a:t>een </a:t>
-            </a:r>
-            <a:r>
-              <a:rPr lang="nl-NL" dirty="0" smtClean="0"/>
-              <a:t>Graphics Processing Unit (GPU)</a:t>
+              <a:t>een Graphics Processing Unit (GPU)</a:t>
             </a:r>
             <a:endParaRPr lang="nl-NL" dirty="0"/>
           </a:p>
@@ -4308,7 +4814,6 @@
               <a:rPr lang="nl-NL" dirty="0" smtClean="0"/>
               <a:t>Extern geheugen (SRAM) als screen buffer (2x)</a:t>
             </a:r>
-            <a:endParaRPr lang="nl-NL" dirty="0" smtClean="0"/>
           </a:p>
           <a:p>
             <a:pPr>
@@ -4429,12 +4934,12 @@
           <a:graphicData uri="http://schemas.openxmlformats.org/presentationml/2006/ole">
             <mc:AlternateContent xmlns:mc="http://schemas.openxmlformats.org/markup-compatibility/2006">
               <mc:Choice xmlns:v="urn:schemas-microsoft-com:vml" Requires="v">
-                <p:oleObj spid="_x0000_s1028" name="Visio" r:id="rId3" imgW="9277200" imgH="3238607" progId="Visio.Drawing.15">
+                <p:oleObj spid="_x0000_s1029" name="Visio" r:id="rId5" imgW="9277200" imgH="3238607" progId="Visio.Drawing.15">
                   <p:embed/>
                 </p:oleObj>
               </mc:Choice>
               <mc:Fallback>
-                <p:oleObj name="Visio" r:id="rId3" imgW="9277200" imgH="3238607" progId="Visio.Drawing.15">
+                <p:oleObj name="Visio" r:id="rId5" imgW="9277200" imgH="3238607" progId="Visio.Drawing.15">
                   <p:embed/>
                   <p:pic>
                     <p:nvPicPr>
@@ -4443,7 +4948,7 @@
                       <p:nvPr/>
                     </p:nvPicPr>
                     <p:blipFill>
-                      <a:blip r:embed="rId4"/>
+                      <a:blip r:embed="rId6"/>
                       <a:stretch>
                         <a:fillRect/>
                       </a:stretch>
@@ -4547,12 +5052,12 @@
           <a:graphicData uri="http://schemas.openxmlformats.org/presentationml/2006/ole">
             <mc:AlternateContent xmlns:mc="http://schemas.openxmlformats.org/markup-compatibility/2006">
               <mc:Choice xmlns:v="urn:schemas-microsoft-com:vml" Requires="v">
-                <p:oleObj spid="_x0000_s2052" name="Visio" r:id="rId3" imgW="8201160" imgH="3228895" progId="Visio.Drawing.15">
+                <p:oleObj spid="_x0000_s2053" name="Visio" r:id="rId5" imgW="8201160" imgH="3228895" progId="Visio.Drawing.15">
                   <p:embed/>
                 </p:oleObj>
               </mc:Choice>
               <mc:Fallback>
-                <p:oleObj name="Visio" r:id="rId3" imgW="8201160" imgH="3228895" progId="Visio.Drawing.15">
+                <p:oleObj name="Visio" r:id="rId5" imgW="8201160" imgH="3228895" progId="Visio.Drawing.15">
                   <p:embed/>
                   <p:pic>
                     <p:nvPicPr>
@@ -4561,7 +5066,7 @@
                       <p:nvPr/>
                     </p:nvPicPr>
                     <p:blipFill>
-                      <a:blip r:embed="rId4"/>
+                      <a:blip r:embed="rId6"/>
                       <a:stretch>
                         <a:fillRect/>
                       </a:stretch>
@@ -4795,7 +5300,7 @@
           <p:nvPr/>
         </p:nvPicPr>
         <p:blipFill>
-          <a:blip r:embed="rId2">
+          <a:blip r:embed="rId3">
             <a:extLst>
               <a:ext uri="{28A0092B-C50C-407E-A947-70E740481C1C}">
                 <a14:useLocalDpi xmlns:a14="http://schemas.microsoft.com/office/drawing/2010/main" val="0"/>

--- a/docs/tussenpresentatie/tussenpresentatie.pptx
+++ b/docs/tussenpresentatie/tussenpresentatie.pptx
@@ -267,7 +267,7 @@
             <a:fld id="{D3646748-BC25-41CA-A659-7F968DC11A47}" type="datetime1">
               <a:rPr lang="en-US"/>
               <a:pPr/>
-              <a:t>11/12/2013</a:t>
+              <a:t>11/14/2013</a:t>
             </a:fld>
             <a:endParaRPr lang="en-US"/>
           </a:p>
@@ -4865,6 +4865,13 @@
   <p:clrMapOvr>
     <a:masterClrMapping/>
   </p:clrMapOvr>
+  <p:timing>
+    <p:tnLst>
+      <p:par>
+        <p:cTn id="1" dur="indefinite" restart="never" nodeType="tmRoot"/>
+      </p:par>
+    </p:tnLst>
+  </p:timing>
 </p:sld>
 </file>
 
@@ -4914,32 +4921,32 @@
       </p:sp>
       <p:graphicFrame>
         <p:nvGraphicFramePr>
-          <p:cNvPr id="3" name="Object 2"/>
+          <p:cNvPr id="5" name="Object 4"/>
           <p:cNvGraphicFramePr>
             <a:graphicFrameLocks noChangeAspect="1"/>
           </p:cNvGraphicFramePr>
           <p:nvPr>
             <p:extLst>
               <p:ext uri="{D42A27DB-BD31-4B8C-83A1-F6EECF244321}">
-                <p14:modId xmlns:p14="http://schemas.microsoft.com/office/powerpoint/2010/main" val="2332671706"/>
+                <p14:modId xmlns:p14="http://schemas.microsoft.com/office/powerpoint/2010/main" val="119859140"/>
               </p:ext>
             </p:extLst>
           </p:nvPr>
         </p:nvGraphicFramePr>
         <p:xfrm>
-          <a:off x="207034" y="1940943"/>
-          <a:ext cx="8647187" cy="3017508"/>
+          <a:off x="421032" y="2018820"/>
+          <a:ext cx="8352000" cy="3062629"/>
         </p:xfrm>
         <a:graphic>
           <a:graphicData uri="http://schemas.openxmlformats.org/presentationml/2006/ole">
             <mc:AlternateContent xmlns:mc="http://schemas.openxmlformats.org/markup-compatibility/2006">
               <mc:Choice xmlns:v="urn:schemas-microsoft-com:vml" Requires="v">
-                <p:oleObj spid="_x0000_s1029" name="Visio" r:id="rId5" imgW="9277200" imgH="3238607" progId="Visio.Drawing.15">
+                <p:oleObj spid="_x0000_s1030" name="Visio" r:id="rId4" imgW="9281373" imgH="3398316" progId="Visio.Drawing.15">
                   <p:embed/>
                 </p:oleObj>
               </mc:Choice>
               <mc:Fallback>
-                <p:oleObj name="Visio" r:id="rId5" imgW="9277200" imgH="3238607" progId="Visio.Drawing.15">
+                <p:oleObj name="Visio" r:id="rId4" imgW="9281373" imgH="3398316" progId="Visio.Drawing.15">
                   <p:embed/>
                   <p:pic>
                     <p:nvPicPr>
@@ -4948,15 +4955,15 @@
                       <p:nvPr/>
                     </p:nvPicPr>
                     <p:blipFill>
-                      <a:blip r:embed="rId6"/>
+                      <a:blip r:embed="rId5"/>
                       <a:stretch>
                         <a:fillRect/>
                       </a:stretch>
                     </p:blipFill>
                     <p:spPr>
                       <a:xfrm>
-                        <a:off x="207034" y="1940943"/>
-                        <a:ext cx="8647187" cy="3017508"/>
+                        <a:off x="421032" y="2018820"/>
+                        <a:ext cx="8352000" cy="3062629"/>
                       </a:xfrm>
                       <a:prstGeom prst="rect">
                         <a:avLst/>
@@ -4979,6 +4986,13 @@
   <p:clrMapOvr>
     <a:masterClrMapping/>
   </p:clrMapOvr>
+  <p:timing>
+    <p:tnLst>
+      <p:par>
+        <p:cTn id="1" dur="indefinite" restart="never" nodeType="tmRoot"/>
+      </p:par>
+    </p:tnLst>
+  </p:timing>
 </p:sld>
 </file>
 
@@ -5052,7 +5066,7 @@
           <a:graphicData uri="http://schemas.openxmlformats.org/presentationml/2006/ole">
             <mc:AlternateContent xmlns:mc="http://schemas.openxmlformats.org/markup-compatibility/2006">
               <mc:Choice xmlns:v="urn:schemas-microsoft-com:vml" Requires="v">
-                <p:oleObj spid="_x0000_s2053" name="Visio" r:id="rId5" imgW="8201160" imgH="3228895" progId="Visio.Drawing.15">
+                <p:oleObj spid="_x0000_s2054" name="Visio" r:id="rId5" imgW="8201160" imgH="3228895" progId="Visio.Drawing.15">
                   <p:embed/>
                 </p:oleObj>
               </mc:Choice>
@@ -5173,12 +5187,21 @@
             </a:pPr>
             <a:r>
               <a:rPr lang="nl-NL" dirty="0" err="1" smtClean="0"/>
-              <a:t>Floating</a:t>
+              <a:t>Fixed</a:t>
             </a:r>
             <a:r>
               <a:rPr lang="nl-NL" dirty="0" smtClean="0"/>
-              <a:t> point?</a:t>
-            </a:r>
+              <a:t> point </a:t>
+            </a:r>
+            <a:r>
+              <a:rPr lang="nl-NL" dirty="0" err="1" smtClean="0"/>
+              <a:t>division</a:t>
+            </a:r>
+            <a:r>
+              <a:rPr lang="nl-NL" dirty="0" smtClean="0"/>
+              <a:t>?</a:t>
+            </a:r>
+            <a:endParaRPr lang="nl-NL" dirty="0" smtClean="0"/>
           </a:p>
           <a:p>
             <a:pPr>
@@ -5248,6 +5271,13 @@
   <p:clrMapOvr>
     <a:masterClrMapping/>
   </p:clrMapOvr>
+  <p:timing>
+    <p:tnLst>
+      <p:par>
+        <p:cTn id="1" dur="indefinite" restart="never" nodeType="tmRoot"/>
+      </p:par>
+    </p:tnLst>
+  </p:timing>
 </p:sld>
 </file>
 

--- a/docs/tussenpresentatie/tussenpresentatie.pptx
+++ b/docs/tussenpresentatie/tussenpresentatie.pptx
@@ -4921,32 +4921,32 @@
       </p:sp>
       <p:graphicFrame>
         <p:nvGraphicFramePr>
-          <p:cNvPr id="5" name="Object 4"/>
+          <p:cNvPr id="3" name="Object 2"/>
           <p:cNvGraphicFramePr>
             <a:graphicFrameLocks noChangeAspect="1"/>
           </p:cNvGraphicFramePr>
           <p:nvPr>
             <p:extLst>
               <p:ext uri="{D42A27DB-BD31-4B8C-83A1-F6EECF244321}">
-                <p14:modId xmlns:p14="http://schemas.microsoft.com/office/powerpoint/2010/main" val="119859140"/>
+                <p14:modId xmlns:p14="http://schemas.microsoft.com/office/powerpoint/2010/main" val="3779216375"/>
               </p:ext>
             </p:extLst>
           </p:nvPr>
         </p:nvGraphicFramePr>
         <p:xfrm>
-          <a:off x="421032" y="2018820"/>
-          <a:ext cx="8352000" cy="3062629"/>
+          <a:off x="435125" y="2036545"/>
+          <a:ext cx="8424000" cy="3646408"/>
         </p:xfrm>
         <a:graphic>
           <a:graphicData uri="http://schemas.openxmlformats.org/presentationml/2006/ole">
             <mc:AlternateContent xmlns:mc="http://schemas.openxmlformats.org/markup-compatibility/2006">
               <mc:Choice xmlns:v="urn:schemas-microsoft-com:vml" Requires="v">
-                <p:oleObj spid="_x0000_s1030" name="Visio" r:id="rId4" imgW="9281373" imgH="3398316" progId="Visio.Drawing.15">
+                <p:oleObj spid="_x0000_s1032" name="Visio" r:id="rId4" imgW="9639477" imgH="4168250" progId="Visio.Drawing.15">
                   <p:embed/>
                 </p:oleObj>
               </mc:Choice>
               <mc:Fallback>
-                <p:oleObj name="Visio" r:id="rId4" imgW="9281373" imgH="3398316" progId="Visio.Drawing.15">
+                <p:oleObj name="Visio" r:id="rId4" imgW="9639477" imgH="4168250" progId="Visio.Drawing.15">
                   <p:embed/>
                   <p:pic>
                     <p:nvPicPr>
@@ -4962,8 +4962,8 @@
                     </p:blipFill>
                     <p:spPr>
                       <a:xfrm>
-                        <a:off x="421032" y="2018820"/>
-                        <a:ext cx="8352000" cy="3062629"/>
+                        <a:off x="435125" y="2036545"/>
+                        <a:ext cx="8424000" cy="3646408"/>
                       </a:xfrm>
                       <a:prstGeom prst="rect">
                         <a:avLst/>
@@ -5066,12 +5066,12 @@
           <a:graphicData uri="http://schemas.openxmlformats.org/presentationml/2006/ole">
             <mc:AlternateContent xmlns:mc="http://schemas.openxmlformats.org/markup-compatibility/2006">
               <mc:Choice xmlns:v="urn:schemas-microsoft-com:vml" Requires="v">
-                <p:oleObj spid="_x0000_s2054" name="Visio" r:id="rId5" imgW="8201160" imgH="3228895" progId="Visio.Drawing.15">
+                <p:oleObj spid="_x0000_s2056" name="Visio" r:id="rId4" imgW="8201160" imgH="3228895" progId="Visio.Drawing.15">
                   <p:embed/>
                 </p:oleObj>
               </mc:Choice>
               <mc:Fallback>
-                <p:oleObj name="Visio" r:id="rId5" imgW="8201160" imgH="3228895" progId="Visio.Drawing.15">
+                <p:oleObj name="Visio" r:id="rId4" imgW="8201160" imgH="3228895" progId="Visio.Drawing.15">
                   <p:embed/>
                   <p:pic>
                     <p:nvPicPr>
@@ -5080,7 +5080,7 @@
                       <p:nvPr/>
                     </p:nvPicPr>
                     <p:blipFill>
-                      <a:blip r:embed="rId6"/>
+                      <a:blip r:embed="rId5"/>
                       <a:stretch>
                         <a:fillRect/>
                       </a:stretch>
@@ -5176,30 +5176,11 @@
             </a:pPr>
             <a:r>
               <a:rPr lang="nl-NL" dirty="0" smtClean="0"/>
-              <a:t>Het tekenen van een schuine lijn (en dus een driehoek)</a:t>
-            </a:r>
-          </a:p>
-          <a:p>
-            <a:pPr lvl="1">
-              <a:lnSpc>
-                <a:spcPct val="150000"/>
-              </a:lnSpc>
-            </a:pPr>
-            <a:r>
-              <a:rPr lang="nl-NL" dirty="0" err="1" smtClean="0"/>
-              <a:t>Fixed</a:t>
+              <a:t>Het tekenen van een schuine lijn (en dus een driehoek</a:t>
             </a:r>
             <a:r>
               <a:rPr lang="nl-NL" dirty="0" smtClean="0"/>
-              <a:t> point </a:t>
-            </a:r>
-            <a:r>
-              <a:rPr lang="nl-NL" dirty="0" err="1" smtClean="0"/>
-              <a:t>division</a:t>
-            </a:r>
-            <a:r>
-              <a:rPr lang="nl-NL" dirty="0" smtClean="0"/>
-              <a:t>?</a:t>
+              <a:t>)</a:t>
             </a:r>
             <a:endParaRPr lang="nl-NL" dirty="0" smtClean="0"/>
           </a:p>
